--- a/ppt_template.pptx
+++ b/ppt_template.pptx
@@ -275,7 +275,7 @@
               </a:defRPr>
             </a:pPr>
             <a:r>
-              <a:rPr lang="en-US" sz="1200" b="1" i="0" baseline="0" dirty="0" smtClean="0">
+              <a:rPr lang="en-US" sz="1200" b="1" i="0" baseline="0" dirty="0">
                 <a:effectLst/>
               </a:rPr>
               <a:t>Employee</a:t>
@@ -665,7 +665,7 @@
               </a:defRPr>
             </a:pPr>
             <a:r>
-              <a:rPr lang="en-US" sz="1200" b="1" i="0" baseline="0" dirty="0" smtClean="0">
+              <a:rPr lang="en-US" sz="1200" b="1" i="0" baseline="0" dirty="0">
                 <a:effectLst/>
               </a:rPr>
               <a:t>Spouse</a:t>
@@ -1055,7 +1055,7 @@
               </a:defRPr>
             </a:pPr>
             <a:r>
-              <a:rPr lang="en-US" sz="1200" b="1" i="0" baseline="0" dirty="0" smtClean="0">
+              <a:rPr lang="en-US" sz="1200" b="1" i="0" baseline="0" dirty="0">
                 <a:effectLst/>
               </a:rPr>
               <a:t>Child</a:t>
@@ -1445,7 +1445,7 @@
               </a:defRPr>
             </a:pPr>
             <a:r>
-              <a:rPr lang="en-US" sz="1200" b="1" i="0" baseline="0" dirty="0" smtClean="0">
+              <a:rPr lang="en-US" sz="1200" b="1" i="0" baseline="0" dirty="0">
                 <a:effectLst/>
               </a:rPr>
               <a:t>Parent</a:t>
@@ -1948,7 +1948,7 @@
               </a:defRPr>
             </a:pPr>
             <a:r>
-              <a:rPr lang="en-US" sz="1200" b="1" i="0" baseline="0" dirty="0" smtClean="0">
+              <a:rPr lang="en-US" sz="1200" b="1" i="0" baseline="0" dirty="0">
                 <a:effectLst/>
               </a:rPr>
               <a:t>Family Type</a:t>
@@ -3384,7 +3384,7 @@
               </a:defRPr>
             </a:pPr>
             <a:r>
-              <a:rPr lang="en-IN" sz="1400" b="1" i="0" baseline="0" dirty="0" smtClean="0">
+              <a:rPr lang="en-IN" sz="1400" b="1" i="0" baseline="0" dirty="0">
                 <a:effectLst/>
               </a:rPr>
               <a:t>Gender Wise Lives Ratio</a:t>
@@ -4244,7 +4244,7 @@
               </a:defRPr>
             </a:pPr>
             <a:r>
-              <a:rPr lang="en-US" sz="1200" b="1" i="0" baseline="0" dirty="0" smtClean="0">
+              <a:rPr lang="en-US" sz="1200" b="1" i="0" baseline="0" dirty="0">
                 <a:effectLst/>
               </a:rPr>
               <a:t>Age Band Wise Percentage of Lives</a:t>
@@ -12326,7 +12326,7 @@
           <a:p>
             <a:fld id="{3577508C-AC83-4308-9F3B-F50852E90A9C}" type="datetimeFigureOut">
               <a:rPr lang="en-IN" smtClean="0"/>
-              <a:t>26-06-2024</a:t>
+              <a:t>27-06-2024</a:t>
             </a:fld>
             <a:endParaRPr lang="en-IN"/>
           </a:p>
@@ -12491,7 +12491,7 @@
           <a:p>
             <a:fld id="{B8F36FB7-F32A-4690-AF41-9798260A92F1}" type="datetimeFigureOut">
               <a:rPr lang="en-IN" smtClean="0"/>
-              <a:t>26-06-2024</a:t>
+              <a:t>27-06-2024</a:t>
             </a:fld>
             <a:endParaRPr lang="en-IN"/>
           </a:p>
@@ -12555,35 +12555,35 @@
           <a:p>
             <a:pPr lvl="0"/>
             <a:r>
-              <a:rPr lang="en-US" smtClean="0"/>
+              <a:rPr lang="en-US"/>
               <a:t>Edit Master text styles</a:t>
             </a:r>
           </a:p>
           <a:p>
             <a:pPr lvl="1"/>
             <a:r>
-              <a:rPr lang="en-US" smtClean="0"/>
+              <a:rPr lang="en-US"/>
               <a:t>Second level</a:t>
             </a:r>
           </a:p>
           <a:p>
             <a:pPr lvl="2"/>
             <a:r>
-              <a:rPr lang="en-US" smtClean="0"/>
+              <a:rPr lang="en-US"/>
               <a:t>Third level</a:t>
             </a:r>
           </a:p>
           <a:p>
             <a:pPr lvl="3"/>
             <a:r>
-              <a:rPr lang="en-US" smtClean="0"/>
+              <a:rPr lang="en-US"/>
               <a:t>Fourth level</a:t>
             </a:r>
           </a:p>
           <a:p>
             <a:pPr lvl="4"/>
             <a:r>
-              <a:rPr lang="en-US" smtClean="0"/>
+              <a:rPr lang="en-US"/>
               <a:t>Fifth level</a:t>
             </a:r>
             <a:endParaRPr lang="en-IN"/>
@@ -13034,10 +13034,9 @@
           </a:lstStyle>
           <a:p>
             <a:r>
-              <a:rPr lang="en-US" dirty="0" smtClean="0"/>
+              <a:rPr lang="en-US" dirty="0"/>
               <a:t>.</a:t>
             </a:r>
-            <a:endParaRPr lang="en-US" dirty="0"/>
           </a:p>
         </p:txBody>
       </p:sp>
@@ -13063,17 +13062,190 @@
       </p:transition>
     </mc:Fallback>
   </mc:AlternateContent>
-  <p:timing>
-    <p:tnLst>
-      <p:par>
-        <p:cTn id="1" dur="indefinite" restart="never" nodeType="tmRoot"/>
-      </p:par>
-    </p:tnLst>
-  </p:timing>
 </p:sldLayout>
 </file>
 
 <file path=ppt/slideLayouts/slideLayout10.xml><?xml version="1.0" encoding="utf-8"?>
+<p:sldLayout xmlns:a="http://schemas.openxmlformats.org/drawingml/2006/main" xmlns:r="http://schemas.openxmlformats.org/officeDocument/2006/relationships" xmlns:p="http://schemas.openxmlformats.org/presentationml/2006/main" type="vertTitleAndTx" preserve="1">
+  <p:cSld name="Vertical Title and Text">
+    <p:spTree>
+      <p:nvGrpSpPr>
+        <p:cNvPr id="1" name=""/>
+        <p:cNvGrpSpPr/>
+        <p:nvPr/>
+      </p:nvGrpSpPr>
+      <p:grpSpPr>
+        <a:xfrm>
+          <a:off x="0" y="0"/>
+          <a:ext cx="0" cy="0"/>
+          <a:chOff x="0" y="0"/>
+          <a:chExt cx="0" cy="0"/>
+        </a:xfrm>
+      </p:grpSpPr>
+      <p:sp>
+        <p:nvSpPr>
+          <p:cNvPr id="2" name="Vertical Title 1"/>
+          <p:cNvSpPr>
+            <a:spLocks noGrp="1"/>
+          </p:cNvSpPr>
+          <p:nvPr>
+            <p:ph type="title" orient="vert"/>
+          </p:nvPr>
+        </p:nvSpPr>
+        <p:spPr>
+          <a:xfrm>
+            <a:off x="8724900" y="365125"/>
+            <a:ext cx="2628900" cy="5811838"/>
+          </a:xfrm>
+        </p:spPr>
+        <p:txBody>
+          <a:bodyPr vert="eaVert"/>
+          <a:lstStyle/>
+          <a:p>
+            <a:r>
+              <a:rPr lang="en-US"/>
+              <a:t>Click to edit Master title style</a:t>
+            </a:r>
+            <a:endParaRPr lang="en-US" dirty="0"/>
+          </a:p>
+        </p:txBody>
+      </p:sp>
+      <p:sp>
+        <p:nvSpPr>
+          <p:cNvPr id="3" name="Vertical Text Placeholder 2"/>
+          <p:cNvSpPr>
+            <a:spLocks noGrp="1"/>
+          </p:cNvSpPr>
+          <p:nvPr>
+            <p:ph type="body" orient="vert" idx="1"/>
+          </p:nvPr>
+        </p:nvSpPr>
+        <p:spPr>
+          <a:xfrm>
+            <a:off x="838200" y="365125"/>
+            <a:ext cx="7734300" cy="5811838"/>
+          </a:xfrm>
+        </p:spPr>
+        <p:txBody>
+          <a:bodyPr vert="eaVert"/>
+          <a:lstStyle/>
+          <a:p>
+            <a:pPr lvl="0"/>
+            <a:r>
+              <a:rPr lang="en-US"/>
+              <a:t>Edit Master text styles</a:t>
+            </a:r>
+          </a:p>
+          <a:p>
+            <a:pPr lvl="1"/>
+            <a:r>
+              <a:rPr lang="en-US"/>
+              <a:t>Second level</a:t>
+            </a:r>
+          </a:p>
+          <a:p>
+            <a:pPr lvl="2"/>
+            <a:r>
+              <a:rPr lang="en-US"/>
+              <a:t>Third level</a:t>
+            </a:r>
+          </a:p>
+          <a:p>
+            <a:pPr lvl="3"/>
+            <a:r>
+              <a:rPr lang="en-US"/>
+              <a:t>Fourth level</a:t>
+            </a:r>
+          </a:p>
+          <a:p>
+            <a:pPr lvl="4"/>
+            <a:r>
+              <a:rPr lang="en-US"/>
+              <a:t>Fifth level</a:t>
+            </a:r>
+            <a:endParaRPr lang="en-US" dirty="0"/>
+          </a:p>
+        </p:txBody>
+      </p:sp>
+      <p:sp>
+        <p:nvSpPr>
+          <p:cNvPr id="4" name="Date Placeholder 3"/>
+          <p:cNvSpPr>
+            <a:spLocks noGrp="1"/>
+          </p:cNvSpPr>
+          <p:nvPr>
+            <p:ph type="dt" sz="half" idx="10"/>
+          </p:nvPr>
+        </p:nvSpPr>
+        <p:spPr/>
+        <p:txBody>
+          <a:bodyPr/>
+          <a:lstStyle/>
+          <a:p>
+            <a:fld id="{49FCBF3B-A16D-4BFB-A03E-6DDEBD15A4A7}" type="datetimeFigureOut">
+              <a:rPr lang="en-IN" smtClean="0"/>
+              <a:t>27-06-2024</a:t>
+            </a:fld>
+            <a:endParaRPr lang="en-IN"/>
+          </a:p>
+        </p:txBody>
+      </p:sp>
+      <p:sp>
+        <p:nvSpPr>
+          <p:cNvPr id="5" name="Footer Placeholder 4"/>
+          <p:cNvSpPr>
+            <a:spLocks noGrp="1"/>
+          </p:cNvSpPr>
+          <p:nvPr>
+            <p:ph type="ftr" sz="quarter" idx="11"/>
+          </p:nvPr>
+        </p:nvSpPr>
+        <p:spPr/>
+        <p:txBody>
+          <a:bodyPr/>
+          <a:lstStyle/>
+          <a:p>
+            <a:endParaRPr lang="en-IN"/>
+          </a:p>
+        </p:txBody>
+      </p:sp>
+      <p:sp>
+        <p:nvSpPr>
+          <p:cNvPr id="6" name="Slide Number Placeholder 5"/>
+          <p:cNvSpPr>
+            <a:spLocks noGrp="1"/>
+          </p:cNvSpPr>
+          <p:nvPr>
+            <p:ph type="sldNum" sz="quarter" idx="12"/>
+          </p:nvPr>
+        </p:nvSpPr>
+        <p:spPr/>
+        <p:txBody>
+          <a:bodyPr/>
+          <a:lstStyle/>
+          <a:p>
+            <a:fld id="{C83AD13A-C305-4985-B8F8-A8657F379290}" type="slidenum">
+              <a:rPr lang="en-IN" smtClean="0"/>
+              <a:t>‹#›</a:t>
+            </a:fld>
+            <a:endParaRPr lang="en-IN"/>
+          </a:p>
+        </p:txBody>
+      </p:sp>
+    </p:spTree>
+    <p:extLst>
+      <p:ext uri="{BB962C8B-B14F-4D97-AF65-F5344CB8AC3E}">
+        <p14:creationId xmlns:p14="http://schemas.microsoft.com/office/powerpoint/2010/main" val="2390949286"/>
+      </p:ext>
+    </p:extLst>
+  </p:cSld>
+  <p:clrMapOvr>
+    <a:masterClrMapping/>
+  </p:clrMapOvr>
+</p:sldLayout>
+</file>
+
+<file path=ppt/slideLayouts/slideLayout11.xml><?xml version="1.0" encoding="utf-8"?>
 <p:sldLayout xmlns:a="http://schemas.openxmlformats.org/drawingml/2006/main" xmlns:r="http://schemas.openxmlformats.org/officeDocument/2006/relationships" xmlns:p="http://schemas.openxmlformats.org/presentationml/2006/main" showMasterSp="0" matchingName="Title Slide">
   <p:cSld name="1_Title Slide">
     <p:bg>
@@ -13983,13 +14155,6 @@
       </p:transition>
     </mc:Fallback>
   </mc:AlternateContent>
-  <p:timing>
-    <p:tnLst>
-      <p:par>
-        <p:cTn id="1" dur="indefinite" restart="never" nodeType="tmRoot"/>
-      </p:par>
-    </p:tnLst>
-  </p:timing>
 </p:sldLayout>
 </file>
 
@@ -14107,7 +14272,7 @@
               </a:spcBef>
             </a:pPr>
             <a:r>
-              <a:rPr lang="en-IN" sz="2133" b="1" spc="-53" dirty="0" smtClean="0">
+              <a:rPr lang="en-IN" sz="2133" b="1" spc="-53" dirty="0">
                 <a:solidFill>
                   <a:schemeClr val="bg1"/>
                 </a:solidFill>
@@ -14174,13 +14339,6 @@
       </p:transition>
     </mc:Fallback>
   </mc:AlternateContent>
-  <p:timing>
-    <p:tnLst>
-      <p:par>
-        <p:cTn id="1" dur="indefinite" restart="never" nodeType="tmRoot"/>
-      </p:par>
-    </p:tnLst>
-  </p:timing>
 </p:sldLayout>
 </file>
 
@@ -14298,7 +14456,7 @@
               </a:spcBef>
             </a:pPr>
             <a:r>
-              <a:rPr lang="en-IN" sz="2133" b="1" spc="-53" dirty="0" smtClean="0">
+              <a:rPr lang="en-IN" sz="2133" b="1" spc="-53" dirty="0">
                 <a:solidFill>
                   <a:schemeClr val="bg1"/>
                 </a:solidFill>
@@ -14365,13 +14523,6 @@
       </p:transition>
     </mc:Fallback>
   </mc:AlternateContent>
-  <p:timing>
-    <p:tnLst>
-      <p:par>
-        <p:cTn id="1" dur="indefinite" restart="never" nodeType="tmRoot"/>
-      </p:par>
-    </p:tnLst>
-  </p:timing>
 </p:sldLayout>
 </file>
 
@@ -14435,17 +14586,121 @@
   <p:clrMapOvr>
     <a:masterClrMapping/>
   </p:clrMapOvr>
-  <p:timing>
-    <p:tnLst>
-      <p:par>
-        <p:cTn id="1" dur="indefinite" restart="never" nodeType="tmRoot"/>
-      </p:par>
-    </p:tnLst>
-  </p:timing>
 </p:sldLayout>
 </file>
 
 <file path=ppt/slideLayouts/slideLayout5.xml><?xml version="1.0" encoding="utf-8"?>
+<p:sldLayout xmlns:a="http://schemas.openxmlformats.org/drawingml/2006/main" xmlns:r="http://schemas.openxmlformats.org/officeDocument/2006/relationships" xmlns:p="http://schemas.openxmlformats.org/presentationml/2006/main" preserve="1" userDrawn="1">
+  <p:cSld name="Custom Layout">
+    <p:spTree>
+      <p:nvGrpSpPr>
+        <p:cNvPr id="1" name=""/>
+        <p:cNvGrpSpPr/>
+        <p:nvPr/>
+      </p:nvGrpSpPr>
+      <p:grpSpPr>
+        <a:xfrm>
+          <a:off x="0" y="0"/>
+          <a:ext cx="0" cy="0"/>
+          <a:chOff x="0" y="0"/>
+          <a:chExt cx="0" cy="0"/>
+        </a:xfrm>
+      </p:grpSpPr>
+      <p:sp>
+        <p:nvSpPr>
+          <p:cNvPr id="2" name="Title 1">
+            <a:extLst>
+              <a:ext uri="{FF2B5EF4-FFF2-40B4-BE49-F238E27FC236}">
+                <a16:creationId xmlns:a16="http://schemas.microsoft.com/office/drawing/2014/main" id="{E7324115-B65B-3196-E677-0BAE89707AD0}"/>
+              </a:ext>
+            </a:extLst>
+          </p:cNvPr>
+          <p:cNvSpPr>
+            <a:spLocks noGrp="1"/>
+          </p:cNvSpPr>
+          <p:nvPr>
+            <p:ph type="title"/>
+          </p:nvPr>
+        </p:nvSpPr>
+        <p:spPr>
+          <a:xfrm>
+            <a:off x="231371" y="323562"/>
+            <a:ext cx="10515600" cy="333144"/>
+          </a:xfrm>
+        </p:spPr>
+        <p:txBody>
+          <a:bodyPr>
+            <a:noAutofit/>
+          </a:bodyPr>
+          <a:lstStyle>
+            <a:lvl1pPr>
+              <a:defRPr sz="2800">
+                <a:latin typeface="+mj-lt"/>
+              </a:defRPr>
+            </a:lvl1pPr>
+          </a:lstStyle>
+          <a:p>
+            <a:r>
+              <a:rPr lang="en-US" dirty="0"/>
+              <a:t>Click to edit Master title style</a:t>
+            </a:r>
+            <a:endParaRPr lang="en-IN" dirty="0"/>
+          </a:p>
+        </p:txBody>
+      </p:sp>
+      <p:cxnSp>
+        <p:nvCxnSpPr>
+          <p:cNvPr id="6" name="Straight Connector 5">
+            <a:extLst>
+              <a:ext uri="{FF2B5EF4-FFF2-40B4-BE49-F238E27FC236}">
+                <a16:creationId xmlns:a16="http://schemas.microsoft.com/office/drawing/2014/main" id="{D8DC9E99-27BE-0984-A107-7479CC55FCB5}"/>
+              </a:ext>
+            </a:extLst>
+          </p:cNvPr>
+          <p:cNvCxnSpPr/>
+          <p:nvPr userDrawn="1"/>
+        </p:nvCxnSpPr>
+        <p:spPr>
+          <a:xfrm>
+            <a:off x="0" y="756484"/>
+            <a:ext cx="12192000" cy="0"/>
+          </a:xfrm>
+          <a:prstGeom prst="line">
+            <a:avLst/>
+          </a:prstGeom>
+          <a:ln w="38100" cap="rnd">
+            <a:bevel/>
+          </a:ln>
+        </p:spPr>
+        <p:style>
+          <a:lnRef idx="1">
+            <a:schemeClr val="accent1"/>
+          </a:lnRef>
+          <a:fillRef idx="0">
+            <a:schemeClr val="accent1"/>
+          </a:fillRef>
+          <a:effectRef idx="0">
+            <a:schemeClr val="accent1"/>
+          </a:effectRef>
+          <a:fontRef idx="minor">
+            <a:schemeClr val="tx1"/>
+          </a:fontRef>
+        </p:style>
+      </p:cxnSp>
+    </p:spTree>
+    <p:extLst>
+      <p:ext uri="{BB962C8B-B14F-4D97-AF65-F5344CB8AC3E}">
+        <p14:creationId xmlns:p14="http://schemas.microsoft.com/office/powerpoint/2010/main" val="2293265790"/>
+      </p:ext>
+    </p:extLst>
+  </p:cSld>
+  <p:clrMapOvr>
+    <a:masterClrMapping/>
+  </p:clrMapOvr>
+</p:sldLayout>
+</file>
+
+<file path=ppt/slideLayouts/slideLayout6.xml><?xml version="1.0" encoding="utf-8"?>
 <p:sldLayout xmlns:a="http://schemas.openxmlformats.org/drawingml/2006/main" xmlns:r="http://schemas.openxmlformats.org/officeDocument/2006/relationships" xmlns:p="http://schemas.openxmlformats.org/presentationml/2006/main" preserve="1" userDrawn="1">
   <p:cSld name="thank_you_slide">
     <p:spTree>
@@ -14486,18 +14741,13 @@
           <a:p>
             <a:pPr algn="ctr"/>
             <a:r>
-              <a:rPr lang="en-IN" sz="2800" b="1" dirty="0" smtClean="0">
+              <a:rPr lang="en-IN" sz="2800" b="1" dirty="0">
                 <a:solidFill>
                   <a:srgbClr val="172B4D"/>
                 </a:solidFill>
               </a:rPr>
               <a:t>Thank You</a:t>
             </a:r>
-            <a:endParaRPr lang="en-IN" sz="2800" b="1" dirty="0">
-              <a:solidFill>
-                <a:srgbClr val="172B4D"/>
-              </a:solidFill>
-            </a:endParaRPr>
           </a:p>
         </p:txBody>
       </p:sp>
@@ -14573,7 +14823,7 @@
           <a:lstStyle/>
           <a:p>
             <a:r>
-              <a:rPr lang="en-IN" sz="2800" dirty="0" smtClean="0">
+              <a:rPr lang="en-IN" sz="2800" dirty="0">
                 <a:solidFill>
                   <a:schemeClr val="accent1"/>
                 </a:solidFill>
@@ -14581,12 +14831,6 @@
               </a:rPr>
               <a:t>Thank You !</a:t>
             </a:r>
-            <a:endParaRPr lang="en-IN" sz="2800" dirty="0">
-              <a:solidFill>
-                <a:schemeClr val="accent1"/>
-              </a:solidFill>
-              <a:latin typeface="Arial MT"/>
-            </a:endParaRPr>
           </a:p>
         </p:txBody>
       </p:sp>
@@ -14600,17 +14844,10 @@
   <p:clrMapOvr>
     <a:masterClrMapping/>
   </p:clrMapOvr>
-  <p:timing>
-    <p:tnLst>
-      <p:par>
-        <p:cTn id="1" dur="indefinite" restart="never" nodeType="tmRoot"/>
-      </p:par>
-    </p:tnLst>
-  </p:timing>
 </p:sldLayout>
 </file>
 
-<file path=ppt/slideLayouts/slideLayout6.xml><?xml version="1.0" encoding="utf-8"?>
+<file path=ppt/slideLayouts/slideLayout7.xml><?xml version="1.0" encoding="utf-8"?>
 <p:sldLayout xmlns:a="http://schemas.openxmlformats.org/drawingml/2006/main" xmlns:r="http://schemas.openxmlformats.org/officeDocument/2006/relationships" xmlns:p="http://schemas.openxmlformats.org/presentationml/2006/main" preserve="1" userDrawn="1">
   <p:cSld name="base_slide">
     <p:spTree>
@@ -14702,7 +14939,7 @@
           </a:lstStyle>
           <a:p>
             <a:pPr lvl="0"/>
-            <a:endParaRPr lang="en-US" dirty="0" smtClean="0"/>
+            <a:endParaRPr lang="en-US" dirty="0"/>
           </a:p>
         </p:txBody>
       </p:sp>
@@ -14716,17 +14953,10 @@
   <p:clrMapOvr>
     <a:masterClrMapping/>
   </p:clrMapOvr>
-  <p:timing>
-    <p:tnLst>
-      <p:par>
-        <p:cTn id="1" dur="indefinite" restart="never" nodeType="tmRoot"/>
-      </p:par>
-    </p:tnLst>
-  </p:timing>
 </p:sldLayout>
 </file>
 
-<file path=ppt/slideLayouts/slideLayout7.xml><?xml version="1.0" encoding="utf-8"?>
+<file path=ppt/slideLayouts/slideLayout8.xml><?xml version="1.0" encoding="utf-8"?>
 <p:sldLayout xmlns:a="http://schemas.openxmlformats.org/drawingml/2006/main" xmlns:r="http://schemas.openxmlformats.org/officeDocument/2006/relationships" xmlns:p="http://schemas.openxmlformats.org/presentationml/2006/main" type="title" preserve="1">
   <p:cSld name="Title Slide">
     <p:spTree>
@@ -14768,7 +14998,7 @@
           </a:lstStyle>
           <a:p>
             <a:r>
-              <a:rPr lang="en-US" smtClean="0"/>
+              <a:rPr lang="en-US"/>
               <a:t>Click to edit Master title style</a:t>
             </a:r>
             <a:endParaRPr lang="en-US" dirty="0"/>
@@ -14833,7 +15063,7 @@
           </a:lstStyle>
           <a:p>
             <a:r>
-              <a:rPr lang="en-US" smtClean="0"/>
+              <a:rPr lang="en-US"/>
               <a:t>Click to edit Master subtitle style</a:t>
             </a:r>
             <a:endParaRPr lang="en-US" dirty="0"/>
@@ -14857,7 +15087,7 @@
           <a:p>
             <a:fld id="{49FCBF3B-A16D-4BFB-A03E-6DDEBD15A4A7}" type="datetimeFigureOut">
               <a:rPr lang="en-IN" smtClean="0"/>
-              <a:t>26-06-2024</a:t>
+              <a:t>27-06-2024</a:t>
             </a:fld>
             <a:endParaRPr lang="en-IN"/>
           </a:p>
@@ -14948,17 +15178,10 @@
   <p:clrMapOvr>
     <a:masterClrMapping/>
   </p:clrMapOvr>
-  <p:timing>
-    <p:tnLst>
-      <p:par>
-        <p:cTn id="1" dur="indefinite" restart="never" nodeType="tmRoot"/>
-      </p:par>
-    </p:tnLst>
-  </p:timing>
 </p:sldLayout>
 </file>
 
-<file path=ppt/slideLayouts/slideLayout8.xml><?xml version="1.0" encoding="utf-8"?>
+<file path=ppt/slideLayouts/slideLayout9.xml><?xml version="1.0" encoding="utf-8"?>
 <p:sldLayout xmlns:a="http://schemas.openxmlformats.org/drawingml/2006/main" xmlns:r="http://schemas.openxmlformats.org/officeDocument/2006/relationships" xmlns:p="http://schemas.openxmlformats.org/presentationml/2006/main" preserve="1" userDrawn="1">
   <p:cSld name="1_incidence_slide">
     <p:spTree>
@@ -15012,9 +15235,7 @@
         <p:nvGraphicFramePr>
           <p:cNvPr id="11" name="Chart 10"/>
           <p:cNvGraphicFramePr/>
-          <p:nvPr userDrawn="1">
-            <p:extLst/>
-          </p:nvPr>
+          <p:nvPr userDrawn="1"/>
         </p:nvGraphicFramePr>
         <p:xfrm>
           <a:off x="9728638" y="905991"/>
@@ -15030,9 +15251,7 @@
         <p:nvGraphicFramePr>
           <p:cNvPr id="6" name="Chart 5"/>
           <p:cNvGraphicFramePr/>
-          <p:nvPr userDrawn="1">
-            <p:extLst/>
-          </p:nvPr>
+          <p:nvPr userDrawn="1"/>
         </p:nvGraphicFramePr>
         <p:xfrm>
           <a:off x="228600" y="944851"/>
@@ -15067,18 +15286,13 @@
           <a:lstStyle/>
           <a:p>
             <a:r>
-              <a:rPr lang="en-IN" sz="2800" b="1" dirty="0" smtClean="0">
+              <a:rPr lang="en-IN" sz="2800" b="1" dirty="0">
                 <a:solidFill>
                   <a:srgbClr val="172B4D"/>
                 </a:solidFill>
               </a:rPr>
               <a:t>  Claim Incident</a:t>
             </a:r>
-            <a:endParaRPr lang="en-IN" sz="2800" b="1" dirty="0">
-              <a:solidFill>
-                <a:srgbClr val="172B4D"/>
-              </a:solidFill>
-            </a:endParaRPr>
           </a:p>
         </p:txBody>
       </p:sp>
@@ -15086,193 +15300,6 @@
     <p:extLst>
       <p:ext uri="{BB962C8B-B14F-4D97-AF65-F5344CB8AC3E}">
         <p14:creationId xmlns:p14="http://schemas.microsoft.com/office/powerpoint/2010/main" val="2684359833"/>
-      </p:ext>
-    </p:extLst>
-  </p:cSld>
-  <p:clrMapOvr>
-    <a:masterClrMapping/>
-  </p:clrMapOvr>
-  <p:timing>
-    <p:tnLst>
-      <p:par>
-        <p:cTn id="1" dur="indefinite" restart="never" nodeType="tmRoot"/>
-      </p:par>
-    </p:tnLst>
-  </p:timing>
-</p:sldLayout>
-</file>
-
-<file path=ppt/slideLayouts/slideLayout9.xml><?xml version="1.0" encoding="utf-8"?>
-<p:sldLayout xmlns:a="http://schemas.openxmlformats.org/drawingml/2006/main" xmlns:r="http://schemas.openxmlformats.org/officeDocument/2006/relationships" xmlns:p="http://schemas.openxmlformats.org/presentationml/2006/main" type="vertTitleAndTx" preserve="1">
-  <p:cSld name="Vertical Title and Text">
-    <p:spTree>
-      <p:nvGrpSpPr>
-        <p:cNvPr id="1" name=""/>
-        <p:cNvGrpSpPr/>
-        <p:nvPr/>
-      </p:nvGrpSpPr>
-      <p:grpSpPr>
-        <a:xfrm>
-          <a:off x="0" y="0"/>
-          <a:ext cx="0" cy="0"/>
-          <a:chOff x="0" y="0"/>
-          <a:chExt cx="0" cy="0"/>
-        </a:xfrm>
-      </p:grpSpPr>
-      <p:sp>
-        <p:nvSpPr>
-          <p:cNvPr id="2" name="Vertical Title 1"/>
-          <p:cNvSpPr>
-            <a:spLocks noGrp="1"/>
-          </p:cNvSpPr>
-          <p:nvPr>
-            <p:ph type="title" orient="vert"/>
-          </p:nvPr>
-        </p:nvSpPr>
-        <p:spPr>
-          <a:xfrm>
-            <a:off x="8724900" y="365125"/>
-            <a:ext cx="2628900" cy="5811838"/>
-          </a:xfrm>
-        </p:spPr>
-        <p:txBody>
-          <a:bodyPr vert="eaVert"/>
-          <a:lstStyle/>
-          <a:p>
-            <a:r>
-              <a:rPr lang="en-US" smtClean="0"/>
-              <a:t>Click to edit Master title style</a:t>
-            </a:r>
-            <a:endParaRPr lang="en-US" dirty="0"/>
-          </a:p>
-        </p:txBody>
-      </p:sp>
-      <p:sp>
-        <p:nvSpPr>
-          <p:cNvPr id="3" name="Vertical Text Placeholder 2"/>
-          <p:cNvSpPr>
-            <a:spLocks noGrp="1"/>
-          </p:cNvSpPr>
-          <p:nvPr>
-            <p:ph type="body" orient="vert" idx="1"/>
-          </p:nvPr>
-        </p:nvSpPr>
-        <p:spPr>
-          <a:xfrm>
-            <a:off x="838200" y="365125"/>
-            <a:ext cx="7734300" cy="5811838"/>
-          </a:xfrm>
-        </p:spPr>
-        <p:txBody>
-          <a:bodyPr vert="eaVert"/>
-          <a:lstStyle/>
-          <a:p>
-            <a:pPr lvl="0"/>
-            <a:r>
-              <a:rPr lang="en-US" smtClean="0"/>
-              <a:t>Edit Master text styles</a:t>
-            </a:r>
-          </a:p>
-          <a:p>
-            <a:pPr lvl="1"/>
-            <a:r>
-              <a:rPr lang="en-US" smtClean="0"/>
-              <a:t>Second level</a:t>
-            </a:r>
-          </a:p>
-          <a:p>
-            <a:pPr lvl="2"/>
-            <a:r>
-              <a:rPr lang="en-US" smtClean="0"/>
-              <a:t>Third level</a:t>
-            </a:r>
-          </a:p>
-          <a:p>
-            <a:pPr lvl="3"/>
-            <a:r>
-              <a:rPr lang="en-US" smtClean="0"/>
-              <a:t>Fourth level</a:t>
-            </a:r>
-          </a:p>
-          <a:p>
-            <a:pPr lvl="4"/>
-            <a:r>
-              <a:rPr lang="en-US" smtClean="0"/>
-              <a:t>Fifth level</a:t>
-            </a:r>
-            <a:endParaRPr lang="en-US" dirty="0"/>
-          </a:p>
-        </p:txBody>
-      </p:sp>
-      <p:sp>
-        <p:nvSpPr>
-          <p:cNvPr id="4" name="Date Placeholder 3"/>
-          <p:cNvSpPr>
-            <a:spLocks noGrp="1"/>
-          </p:cNvSpPr>
-          <p:nvPr>
-            <p:ph type="dt" sz="half" idx="10"/>
-          </p:nvPr>
-        </p:nvSpPr>
-        <p:spPr/>
-        <p:txBody>
-          <a:bodyPr/>
-          <a:lstStyle/>
-          <a:p>
-            <a:fld id="{49FCBF3B-A16D-4BFB-A03E-6DDEBD15A4A7}" type="datetimeFigureOut">
-              <a:rPr lang="en-IN" smtClean="0"/>
-              <a:t>26-06-2024</a:t>
-            </a:fld>
-            <a:endParaRPr lang="en-IN"/>
-          </a:p>
-        </p:txBody>
-      </p:sp>
-      <p:sp>
-        <p:nvSpPr>
-          <p:cNvPr id="5" name="Footer Placeholder 4"/>
-          <p:cNvSpPr>
-            <a:spLocks noGrp="1"/>
-          </p:cNvSpPr>
-          <p:nvPr>
-            <p:ph type="ftr" sz="quarter" idx="11"/>
-          </p:nvPr>
-        </p:nvSpPr>
-        <p:spPr/>
-        <p:txBody>
-          <a:bodyPr/>
-          <a:lstStyle/>
-          <a:p>
-            <a:endParaRPr lang="en-IN"/>
-          </a:p>
-        </p:txBody>
-      </p:sp>
-      <p:sp>
-        <p:nvSpPr>
-          <p:cNvPr id="6" name="Slide Number Placeholder 5"/>
-          <p:cNvSpPr>
-            <a:spLocks noGrp="1"/>
-          </p:cNvSpPr>
-          <p:nvPr>
-            <p:ph type="sldNum" sz="quarter" idx="12"/>
-          </p:nvPr>
-        </p:nvSpPr>
-        <p:spPr/>
-        <p:txBody>
-          <a:bodyPr/>
-          <a:lstStyle/>
-          <a:p>
-            <a:fld id="{C83AD13A-C305-4985-B8F8-A8657F379290}" type="slidenum">
-              <a:rPr lang="en-IN" smtClean="0"/>
-              <a:t>‹#›</a:t>
-            </a:fld>
-            <a:endParaRPr lang="en-IN"/>
-          </a:p>
-        </p:txBody>
-      </p:sp>
-    </p:spTree>
-    <p:extLst>
-      <p:ext uri="{BB962C8B-B14F-4D97-AF65-F5344CB8AC3E}">
-        <p14:creationId xmlns:p14="http://schemas.microsoft.com/office/powerpoint/2010/main" val="2390949286"/>
       </p:ext>
     </p:extLst>
   </p:cSld>
@@ -15330,7 +15357,7 @@
           <a:lstStyle/>
           <a:p>
             <a:r>
-              <a:rPr lang="en-US" smtClean="0"/>
+              <a:rPr lang="en-US"/>
               <a:t>Click to edit Master title style</a:t>
             </a:r>
             <a:endParaRPr lang="en-US" dirty="0"/>
@@ -15364,35 +15391,35 @@
           <a:p>
             <a:pPr lvl="0"/>
             <a:r>
-              <a:rPr lang="en-US" smtClean="0"/>
+              <a:rPr lang="en-US"/>
               <a:t>Edit Master text styles</a:t>
             </a:r>
           </a:p>
           <a:p>
             <a:pPr lvl="1"/>
             <a:r>
-              <a:rPr lang="en-US" smtClean="0"/>
+              <a:rPr lang="en-US"/>
               <a:t>Second level</a:t>
             </a:r>
           </a:p>
           <a:p>
             <a:pPr lvl="2"/>
             <a:r>
-              <a:rPr lang="en-US" smtClean="0"/>
+              <a:rPr lang="en-US"/>
               <a:t>Third level</a:t>
             </a:r>
           </a:p>
           <a:p>
             <a:pPr lvl="3"/>
             <a:r>
-              <a:rPr lang="en-US" smtClean="0"/>
+              <a:rPr lang="en-US"/>
               <a:t>Fourth level</a:t>
             </a:r>
           </a:p>
           <a:p>
             <a:pPr lvl="4"/>
             <a:r>
-              <a:rPr lang="en-US" smtClean="0"/>
+              <a:rPr lang="en-US"/>
               <a:t>Fifth level</a:t>
             </a:r>
             <a:endParaRPr lang="en-US" dirty="0"/>
@@ -15434,7 +15461,7 @@
           <a:p>
             <a:fld id="{49FCBF3B-A16D-4BFB-A03E-6DDEBD15A4A7}" type="datetimeFigureOut">
               <a:rPr lang="en-IN" smtClean="0"/>
-              <a:t>26-06-2024</a:t>
+              <a:t>27-06-2024</a:t>
             </a:fld>
             <a:endParaRPr lang="en-IN"/>
           </a:p>
@@ -15531,20 +15558,14 @@
     <p:sldLayoutId id="2147483689" r:id="rId2"/>
     <p:sldLayoutId id="2147483688" r:id="rId3"/>
     <p:sldLayoutId id="2147483687" r:id="rId4"/>
-    <p:sldLayoutId id="2147483694" r:id="rId5"/>
-    <p:sldLayoutId id="2147483692" r:id="rId6"/>
-    <p:sldLayoutId id="2147483673" r:id="rId7"/>
-    <p:sldLayoutId id="2147483695" r:id="rId8"/>
-    <p:sldLayoutId id="2147483683" r:id="rId9"/>
-    <p:sldLayoutId id="2147483693" r:id="rId10"/>
+    <p:sldLayoutId id="2147483696" r:id="rId5"/>
+    <p:sldLayoutId id="2147483694" r:id="rId6"/>
+    <p:sldLayoutId id="2147483692" r:id="rId7"/>
+    <p:sldLayoutId id="2147483673" r:id="rId8"/>
+    <p:sldLayoutId id="2147483695" r:id="rId9"/>
+    <p:sldLayoutId id="2147483683" r:id="rId10"/>
+    <p:sldLayoutId id="2147483693" r:id="rId11"/>
   </p:sldLayoutIdLst>
-  <p:timing>
-    <p:tnLst>
-      <p:par>
-        <p:cTn id="1" dur="indefinite" restart="never" nodeType="tmRoot"/>
-      </p:par>
-    </p:tnLst>
-  </p:timing>
   <p:txStyles>
     <p:titleStyle>
       <a:lvl1pPr algn="l" defTabSz="914400" rtl="0" eaLnBrk="1" latinLnBrk="0" hangingPunct="1">
@@ -15951,7 +15972,7 @@
           <a:lstStyle/>
           <a:p>
             <a:r>
-              <a:rPr lang="en-US" sz="2800" b="1" dirty="0" smtClean="0">
+              <a:rPr lang="en-US" sz="2800" b="1" dirty="0">
                 <a:solidFill>
                   <a:srgbClr val="172B4D"/>
                 </a:solidFill>
@@ -16089,7 +16110,7 @@
               <a:buNone/>
             </a:pPr>
             <a:r>
-              <a:rPr lang="en-US" dirty="0" smtClean="0">
+              <a:rPr lang="en-US" dirty="0">
                 <a:solidFill>
                   <a:srgbClr val="F7FAFD"/>
                 </a:solidFill>
@@ -16210,7 +16231,7 @@
                         <a:buChar char="ü"/>
                       </a:pPr>
                       <a:r>
-                        <a:rPr lang="en-GB" sz="1400" u="none" strike="noStrike" dirty="0" smtClean="0">
+                        <a:rPr lang="en-GB" sz="1400" u="none" strike="noStrike" dirty="0">
                           <a:effectLst/>
                         </a:rPr>
                         <a:t>Cashless Vs Reimbursement Analysis</a:t>
@@ -16241,7 +16262,7 @@
                         <a:buChar char="ü"/>
                       </a:pPr>
                       <a:r>
-                        <a:rPr lang="en-GB" sz="1400" u="none" strike="noStrike" dirty="0" smtClean="0">
+                        <a:rPr lang="en-GB" sz="1400" u="none" strike="noStrike" dirty="0">
                           <a:effectLst/>
                         </a:rPr>
                         <a:t>Maternity Analysis</a:t>
@@ -16281,12 +16302,12 @@
                         <a:defRPr/>
                       </a:pPr>
                       <a:r>
-                        <a:rPr lang="en-GB" sz="1400" u="none" strike="noStrike" dirty="0" smtClean="0">
+                        <a:rPr lang="en-GB" sz="1400" u="none" strike="noStrike" dirty="0">
                           <a:effectLst/>
                         </a:rPr>
                         <a:t>TAT analysis</a:t>
                       </a:r>
-                      <a:endParaRPr lang="en-US" sz="1400" u="none" strike="noStrike" dirty="0" smtClean="0">
+                      <a:endParaRPr lang="en-US" sz="1400" u="none" strike="noStrike" dirty="0">
                         <a:effectLst/>
                       </a:endParaRPr>
                     </a:p>
@@ -16356,12 +16377,12 @@
                         <a:defRPr/>
                       </a:pPr>
                       <a:r>
-                        <a:rPr lang="en-GB" sz="1400" u="none" strike="noStrike" dirty="0" smtClean="0">
+                        <a:rPr lang="en-GB" sz="1400" u="none" strike="noStrike" dirty="0">
                           <a:effectLst/>
                         </a:rPr>
                         <a:t>Relationship Wise Analysis</a:t>
                       </a:r>
-                      <a:endParaRPr lang="en-GB" sz="1400" b="0" i="0" u="none" strike="noStrike" dirty="0" smtClean="0">
+                      <a:endParaRPr lang="en-GB" sz="1400" b="0" i="0" u="none" strike="noStrike" dirty="0">
                         <a:solidFill>
                           <a:srgbClr val="000000"/>
                         </a:solidFill>
@@ -16387,7 +16408,7 @@
                         <a:buChar char="ü"/>
                       </a:pPr>
                       <a:r>
-                        <a:rPr lang="en-GB" sz="1400" u="none" strike="noStrike" dirty="0" smtClean="0">
+                        <a:rPr lang="en-GB" sz="1400" u="none" strike="noStrike" dirty="0">
                           <a:effectLst/>
                         </a:rPr>
                         <a:t>Disease Analysis</a:t>
@@ -16466,7 +16487,7 @@
                         <a:buChar char="ü"/>
                       </a:pPr>
                       <a:r>
-                        <a:rPr lang="en-GB" sz="1400" u="none" strike="noStrike" dirty="0" smtClean="0">
+                        <a:rPr lang="en-GB" sz="1400" u="none" strike="noStrike" dirty="0">
                           <a:effectLst/>
                         </a:rPr>
                         <a:t>Age Band Wise Analysis</a:t>
@@ -16497,19 +16518,19 @@
                         <a:buChar char="ü"/>
                       </a:pPr>
                       <a:r>
-                        <a:rPr lang="en-GB" sz="1400" u="none" strike="noStrike" dirty="0" smtClean="0">
+                        <a:rPr lang="en-GB" sz="1400" u="none" strike="noStrike" dirty="0">
                           <a:effectLst/>
                         </a:rPr>
                         <a:t>Hospital</a:t>
                       </a:r>
                       <a:r>
-                        <a:rPr lang="en-GB" sz="1400" u="none" strike="noStrike" baseline="0" dirty="0" smtClean="0">
+                        <a:rPr lang="en-GB" sz="1400" u="none" strike="noStrike" baseline="0" dirty="0">
                           <a:effectLst/>
                         </a:rPr>
                         <a:t> </a:t>
                       </a:r>
                       <a:r>
-                        <a:rPr lang="en-GB" sz="1400" u="none" strike="noStrike" dirty="0" smtClean="0">
+                        <a:rPr lang="en-GB" sz="1400" u="none" strike="noStrike" dirty="0">
                           <a:effectLst/>
                         </a:rPr>
                         <a:t>Wise Analysis</a:t>
@@ -16584,11 +16605,11 @@
                         <a:buChar char="ü"/>
                       </a:pPr>
                       <a:r>
-                        <a:rPr lang="en-US" sz="1400" dirty="0" smtClean="0"/>
+                        <a:rPr lang="en-US" sz="1400" dirty="0"/>
                         <a:t>Amount Wise</a:t>
                       </a:r>
                       <a:r>
-                        <a:rPr lang="en-US" sz="1400" baseline="0" dirty="0" smtClean="0"/>
+                        <a:rPr lang="en-US" sz="1400" baseline="0" dirty="0"/>
                         <a:t> Analysis</a:t>
                       </a:r>
                       <a:endParaRPr lang="en-GB" sz="1400" dirty="0">
@@ -16613,12 +16634,12 @@
                         <a:buChar char="ü"/>
                       </a:pPr>
                       <a:r>
-                        <a:rPr lang="en-US" sz="1400" u="none" strike="noStrike" dirty="0" smtClean="0">
+                        <a:rPr lang="en-US" sz="1400" u="none" strike="noStrike" dirty="0">
                           <a:effectLst/>
                         </a:rPr>
                         <a:t>Claim Value Settlement Ratio</a:t>
                       </a:r>
-                      <a:endParaRPr lang="en-US" sz="1400" b="0" i="0" u="none" strike="noStrike" dirty="0" smtClean="0">
+                      <a:endParaRPr lang="en-US" sz="1400" b="0" i="0" u="none" strike="noStrike" dirty="0">
                         <a:solidFill>
                           <a:srgbClr val="000000"/>
                         </a:solidFill>
@@ -16672,12 +16693,12 @@
                         <a:defRPr/>
                       </a:pPr>
                       <a:r>
-                        <a:rPr lang="en-GB" sz="1400" u="none" strike="noStrike" dirty="0" smtClean="0">
+                        <a:rPr lang="en-GB" sz="1400" u="none" strike="noStrike" dirty="0">
                           <a:effectLst/>
                         </a:rPr>
                         <a:t>Relation wise Incident Rate</a:t>
                       </a:r>
-                      <a:endParaRPr lang="en-GB" sz="1400" b="0" i="0" u="none" strike="noStrike" dirty="0" smtClean="0">
+                      <a:endParaRPr lang="en-GB" sz="1400" b="0" i="0" u="none" strike="noStrike" dirty="0">
                         <a:solidFill>
                           <a:srgbClr val="000000"/>
                         </a:solidFill>
@@ -16703,13 +16724,13 @@
                         <a:buChar char="ü"/>
                       </a:pPr>
                       <a:r>
-                        <a:rPr lang="en-GB" sz="1400" u="none" strike="noStrike" dirty="0" smtClean="0">
+                        <a:rPr lang="en-GB" sz="1400" u="none" strike="noStrike" dirty="0">
                           <a:effectLst/>
                         </a:rPr>
                         <a:t>Sum Insured</a:t>
                       </a:r>
                       <a:r>
-                        <a:rPr lang="en-GB" sz="1400" u="none" strike="noStrike" baseline="0" dirty="0" smtClean="0">
+                        <a:rPr lang="en-GB" sz="1400" u="none" strike="noStrike" baseline="0" dirty="0">
                           <a:effectLst/>
                         </a:rPr>
                         <a:t> wise Analysis</a:t>
@@ -16740,7 +16761,7 @@
                         <a:buChar char="ü"/>
                       </a:pPr>
                       <a:r>
-                        <a:rPr lang="en-US" sz="1400" u="none" strike="noStrike" dirty="0" smtClean="0">
+                        <a:rPr lang="en-US" sz="1400" u="none" strike="noStrike" dirty="0">
                           <a:effectLst/>
                         </a:rPr>
                         <a:t>Rejection Reasons</a:t>
@@ -16787,13 +16808,6 @@
   <p:clrMapOvr>
     <a:masterClrMapping/>
   </p:clrMapOvr>
-  <p:timing>
-    <p:tnLst>
-      <p:par>
-        <p:cTn id="1" dur="indefinite" restart="never" nodeType="tmRoot"/>
-      </p:par>
-    </p:tnLst>
-  </p:timing>
 </p:sld>
 </file>
 
@@ -17233,7 +17247,7 @@
                     <a:p>
                       <a:pPr algn="l" rtl="0" fontAlgn="ctr"/>
                       <a:r>
-                        <a:rPr lang="en-IN" sz="1280" b="0" i="0" u="none" strike="noStrike" dirty="0" smtClean="0">
+                        <a:rPr lang="en-IN" sz="1280" b="0" i="0" u="none" strike="noStrike" dirty="0">
                           <a:solidFill>
                             <a:srgbClr val="000000"/>
                           </a:solidFill>
@@ -17243,7 +17257,7 @@
                         <a:t>•</a:t>
                       </a:r>
                       <a:r>
-                        <a:rPr lang="en-IN" sz="1280" b="1" i="0" u="none" strike="noStrike" dirty="0" smtClean="0">
+                        <a:rPr lang="en-IN" sz="1280" b="1" i="0" u="none" strike="noStrike" dirty="0">
                           <a:solidFill>
                             <a:srgbClr val="000000"/>
                           </a:solidFill>
@@ -17253,7 +17267,7 @@
                         <a:t>Claim</a:t>
                       </a:r>
                       <a:r>
-                        <a:rPr lang="en-IN" sz="1280" b="1" i="0" u="none" strike="noStrike" baseline="0" dirty="0" smtClean="0">
+                        <a:rPr lang="en-IN" sz="1280" b="1" i="0" u="none" strike="noStrike" baseline="0" dirty="0">
                           <a:solidFill>
                             <a:srgbClr val="000000"/>
                           </a:solidFill>
@@ -17535,13 +17549,6 @@
   <p:clrMapOvr>
     <a:masterClrMapping/>
   </p:clrMapOvr>
-  <p:timing>
-    <p:tnLst>
-      <p:par>
-        <p:cTn id="1" dur="indefinite" restart="never" nodeType="tmRoot"/>
-      </p:par>
-    </p:tnLst>
-  </p:timing>
 </p:sld>
 </file>
 
@@ -17566,9 +17573,7 @@
         <p:nvGraphicFramePr>
           <p:cNvPr id="7" name="Chart 6"/>
           <p:cNvGraphicFramePr/>
-          <p:nvPr>
-            <p:extLst/>
-          </p:nvPr>
+          <p:nvPr/>
         </p:nvGraphicFramePr>
         <p:xfrm>
           <a:off x="9729216" y="868678"/>
@@ -17608,21 +17613,8 @@
                   <a:srgbClr val="172B4D"/>
                 </a:solidFill>
               </a:rPr>
-              <a:t>P</a:t>
+              <a:t>Portfolio Summary</a:t>
             </a:r>
-            <a:r>
-              <a:rPr lang="en-IN" sz="2800" b="1" dirty="0" smtClean="0">
-                <a:solidFill>
-                  <a:srgbClr val="172B4D"/>
-                </a:solidFill>
-              </a:rPr>
-              <a:t>ortfolio Summary</a:t>
-            </a:r>
-            <a:endParaRPr lang="en-IN" sz="2800" b="1" dirty="0">
-              <a:solidFill>
-                <a:srgbClr val="172B4D"/>
-              </a:solidFill>
-            </a:endParaRPr>
           </a:p>
         </p:txBody>
       </p:sp>
@@ -17636,13 +17628,6 @@
   <p:clrMapOvr>
     <a:masterClrMapping/>
   </p:clrMapOvr>
-  <p:timing>
-    <p:tnLst>
-      <p:par>
-        <p:cTn id="1" dur="indefinite" restart="never" nodeType="tmRoot"/>
-      </p:par>
-    </p:tnLst>
-  </p:timing>
 </p:sld>
 </file>
 
@@ -17843,7 +17828,7 @@
               </a:spcBef>
             </a:pPr>
             <a:r>
-              <a:rPr lang="en-IN" sz="2133" b="1" spc="-53" dirty="0" smtClean="0">
+              <a:rPr lang="en-IN" sz="2133" b="1" spc="-53" dirty="0">
                 <a:solidFill>
                   <a:schemeClr val="bg1"/>
                 </a:solidFill>
@@ -17912,13 +17897,6 @@
       </p:transition>
     </mc:Fallback>
   </mc:AlternateContent>
-  <p:timing>
-    <p:tnLst>
-      <p:par>
-        <p:cTn id="1" dur="indefinite" restart="never" nodeType="tmRoot"/>
-      </p:par>
-    </p:tnLst>
-  </p:timing>
 </p:sld>
 </file>
 
@@ -17962,18 +17940,13 @@
           <a:lstStyle/>
           <a:p>
             <a:r>
-              <a:rPr lang="en-IN" sz="2800" b="1" dirty="0" smtClean="0">
+              <a:rPr lang="en-IN" sz="2800" b="1" dirty="0">
                 <a:solidFill>
                   <a:srgbClr val="172B4D"/>
                 </a:solidFill>
               </a:rPr>
               <a:t>Demographic Analysis – Relationship Wise</a:t>
             </a:r>
-            <a:endParaRPr lang="en-IN" sz="2800" b="1" dirty="0">
-              <a:solidFill>
-                <a:srgbClr val="172B4D"/>
-              </a:solidFill>
-            </a:endParaRPr>
           </a:p>
         </p:txBody>
       </p:sp>
@@ -17981,9 +17954,7 @@
         <p:nvGraphicFramePr>
           <p:cNvPr id="21" name="Chart 20"/>
           <p:cNvGraphicFramePr/>
-          <p:nvPr>
-            <p:extLst/>
-          </p:nvPr>
+          <p:nvPr/>
         </p:nvGraphicFramePr>
         <p:xfrm>
           <a:off x="144610" y="890690"/>
@@ -18027,23 +17998,8 @@
                 </a:solidFill>
                 <a:latin typeface="Calibri" panose="020F0502020204030204" pitchFamily="34" charset="0"/>
               </a:rPr>
-              <a:t>Gender Wise </a:t>
+              <a:t>Gender Wise Count</a:t>
             </a:r>
-            <a:r>
-              <a:rPr lang="en-IN" sz="1400" b="1" dirty="0" smtClean="0">
-                <a:solidFill>
-                  <a:schemeClr val="bg1"/>
-                </a:solidFill>
-                <a:latin typeface="Calibri" panose="020F0502020204030204" pitchFamily="34" charset="0"/>
-              </a:rPr>
-              <a:t>Count</a:t>
-            </a:r>
-            <a:endParaRPr lang="en-IN" sz="1400" b="1" dirty="0">
-              <a:solidFill>
-                <a:schemeClr val="bg1"/>
-              </a:solidFill>
-              <a:latin typeface="Calibri" panose="020F0502020204030204" pitchFamily="34" charset="0"/>
-            </a:endParaRPr>
           </a:p>
         </p:txBody>
       </p:sp>
@@ -18051,9 +18007,7 @@
         <p:nvGraphicFramePr>
           <p:cNvPr id="29" name="Chart 28"/>
           <p:cNvGraphicFramePr/>
-          <p:nvPr>
-            <p:extLst/>
-          </p:nvPr>
+          <p:nvPr/>
         </p:nvGraphicFramePr>
         <p:xfrm>
           <a:off x="3306797" y="3693757"/>
@@ -18069,9 +18023,7 @@
         <p:nvGraphicFramePr>
           <p:cNvPr id="38" name="Chart 37"/>
           <p:cNvGraphicFramePr/>
-          <p:nvPr>
-            <p:extLst/>
-          </p:nvPr>
+          <p:nvPr/>
         </p:nvGraphicFramePr>
         <p:xfrm>
           <a:off x="6510487" y="3693757"/>
@@ -18087,9 +18039,7 @@
         <p:nvGraphicFramePr>
           <p:cNvPr id="10" name="Chart 9"/>
           <p:cNvGraphicFramePr/>
-          <p:nvPr>
-            <p:extLst/>
-          </p:nvPr>
+          <p:nvPr/>
         </p:nvGraphicFramePr>
         <p:xfrm>
           <a:off x="158260" y="3726386"/>
@@ -18105,9 +18055,7 @@
         <p:nvGraphicFramePr>
           <p:cNvPr id="22" name="Chart 21"/>
           <p:cNvGraphicFramePr/>
-          <p:nvPr>
-            <p:extLst/>
-          </p:nvPr>
+          <p:nvPr/>
         </p:nvGraphicFramePr>
         <p:xfrm>
           <a:off x="3301859" y="890690"/>
@@ -18123,9 +18071,7 @@
         <p:nvGraphicFramePr>
           <p:cNvPr id="9" name="Chart 8"/>
           <p:cNvGraphicFramePr/>
-          <p:nvPr>
-            <p:extLst/>
-          </p:nvPr>
+          <p:nvPr/>
         </p:nvGraphicFramePr>
         <p:xfrm>
           <a:off x="9729216" y="868680"/>
@@ -18147,13 +18093,6 @@
   <p:clrMapOvr>
     <a:masterClrMapping/>
   </p:clrMapOvr>
-  <p:timing>
-    <p:tnLst>
-      <p:par>
-        <p:cTn id="1" dur="indefinite" restart="never" nodeType="tmRoot"/>
-      </p:par>
-    </p:tnLst>
-  </p:timing>
 </p:sld>
 </file>
 
@@ -18197,18 +18136,13 @@
           <a:lstStyle/>
           <a:p>
             <a:r>
-              <a:rPr lang="en-IN" sz="2800" b="1" dirty="0" smtClean="0">
+              <a:rPr lang="en-IN" sz="2800" b="1" dirty="0">
                 <a:solidFill>
                   <a:srgbClr val="172B4D"/>
                 </a:solidFill>
               </a:rPr>
               <a:t>Demographic Analysis ESK Policy – Age Band Analysis</a:t>
             </a:r>
-            <a:endParaRPr lang="en-IN" sz="2800" b="1" dirty="0">
-              <a:solidFill>
-                <a:srgbClr val="172B4D"/>
-              </a:solidFill>
-            </a:endParaRPr>
           </a:p>
         </p:txBody>
       </p:sp>
@@ -18216,9 +18150,7 @@
         <p:nvGraphicFramePr>
           <p:cNvPr id="15" name="Chart 14"/>
           <p:cNvGraphicFramePr/>
-          <p:nvPr>
-            <p:extLst/>
-          </p:nvPr>
+          <p:nvPr/>
         </p:nvGraphicFramePr>
         <p:xfrm>
           <a:off x="220276" y="4023360"/>
@@ -18234,9 +18166,7 @@
         <p:nvGraphicFramePr>
           <p:cNvPr id="17" name="Chart 16"/>
           <p:cNvGraphicFramePr/>
-          <p:nvPr>
-            <p:extLst/>
-          </p:nvPr>
+          <p:nvPr/>
         </p:nvGraphicFramePr>
         <p:xfrm>
           <a:off x="2542646" y="4023360"/>
@@ -18252,9 +18182,7 @@
         <p:nvGraphicFramePr>
           <p:cNvPr id="18" name="Chart 17"/>
           <p:cNvGraphicFramePr/>
-          <p:nvPr>
-            <p:extLst/>
-          </p:nvPr>
+          <p:nvPr/>
         </p:nvGraphicFramePr>
         <p:xfrm>
           <a:off x="4865016" y="4023360"/>
@@ -18270,9 +18198,7 @@
         <p:nvGraphicFramePr>
           <p:cNvPr id="21" name="Chart 20"/>
           <p:cNvGraphicFramePr/>
-          <p:nvPr>
-            <p:extLst/>
-          </p:nvPr>
+          <p:nvPr/>
         </p:nvGraphicFramePr>
         <p:xfrm>
           <a:off x="7187386" y="4023360"/>
@@ -18288,9 +18214,7 @@
         <p:nvGraphicFramePr>
           <p:cNvPr id="7" name="Chart 6"/>
           <p:cNvGraphicFramePr/>
-          <p:nvPr>
-            <p:extLst/>
-          </p:nvPr>
+          <p:nvPr/>
         </p:nvGraphicFramePr>
         <p:xfrm>
           <a:off x="9728638" y="867891"/>
@@ -18312,13 +18236,6 @@
   <p:clrMapOvr>
     <a:masterClrMapping/>
   </p:clrMapOvr>
-  <p:timing>
-    <p:tnLst>
-      <p:par>
-        <p:cTn id="1" dur="indefinite" restart="never" nodeType="tmRoot"/>
-      </p:par>
-    </p:tnLst>
-  </p:timing>
 </p:sld>
 </file>
 
@@ -18362,18 +18279,13 @@
           <a:lstStyle/>
           <a:p>
             <a:r>
-              <a:rPr lang="en-IN" sz="2800" b="1" dirty="0" smtClean="0">
+              <a:rPr lang="en-IN" sz="2800" b="1" dirty="0">
                 <a:solidFill>
                   <a:srgbClr val="172B4D"/>
                 </a:solidFill>
               </a:rPr>
               <a:t>Demographic Analysis ESK Policy – Sum Insured &amp; Household Wise</a:t>
             </a:r>
-            <a:endParaRPr lang="en-IN" sz="2800" b="1" dirty="0">
-              <a:solidFill>
-                <a:srgbClr val="172B4D"/>
-              </a:solidFill>
-            </a:endParaRPr>
           </a:p>
         </p:txBody>
       </p:sp>
@@ -18381,9 +18293,7 @@
         <p:nvGraphicFramePr>
           <p:cNvPr id="8" name="Chart 7"/>
           <p:cNvGraphicFramePr/>
-          <p:nvPr>
-            <p:extLst/>
-          </p:nvPr>
+          <p:nvPr/>
         </p:nvGraphicFramePr>
         <p:xfrm>
           <a:off x="228600" y="3274011"/>
@@ -18399,9 +18309,7 @@
         <p:nvGraphicFramePr>
           <p:cNvPr id="4" name="Chart 3"/>
           <p:cNvGraphicFramePr/>
-          <p:nvPr>
-            <p:extLst/>
-          </p:nvPr>
+          <p:nvPr/>
         </p:nvGraphicFramePr>
         <p:xfrm>
           <a:off x="9728638" y="867891"/>
@@ -18423,13 +18331,6 @@
   <p:clrMapOvr>
     <a:masterClrMapping/>
   </p:clrMapOvr>
-  <p:timing>
-    <p:tnLst>
-      <p:par>
-        <p:cTn id="1" dur="indefinite" restart="never" nodeType="tmRoot"/>
-      </p:par>
-    </p:tnLst>
-  </p:timing>
 </p:sld>
 </file>
 
